--- a/images/cheatsheet.pptx
+++ b/images/cheatsheet.pptx
@@ -2190,7 +2190,7 @@
           </a:ln>
           <a:extLst>
             <a:ext uri="{C572A759-6A51-4108-AA02-DFA0A04FC94B}">
-              <ma14:wrappingTextBoxFlag xmlns:ma14="http://schemas.microsoft.com/office/mac/drawingml/2011/main" xmlns:a14="http://schemas.microsoft.com/office/drawing/2010/main" xmlns:m="http://schemas.openxmlformats.org/officeDocument/2006/math" xmlns="" val="1"/>
+              <ma14:wrappingTextBoxFlag xmlns="" xmlns:m="http://schemas.openxmlformats.org/officeDocument/2006/math" xmlns:a14="http://schemas.microsoft.com/office/drawing/2010/main" xmlns:ma14="http://schemas.microsoft.com/office/mac/drawingml/2011/main" val="1"/>
             </a:ext>
           </a:extLst>
         </p:spPr>
@@ -2229,7 +2229,7 @@
           </a:ln>
           <a:extLst>
             <a:ext uri="{C572A759-6A51-4108-AA02-DFA0A04FC94B}">
-              <ma14:wrappingTextBoxFlag xmlns:ma14="http://schemas.microsoft.com/office/mac/drawingml/2011/main" xmlns:a14="http://schemas.microsoft.com/office/drawing/2010/main" xmlns:m="http://schemas.openxmlformats.org/officeDocument/2006/math" xmlns="" val="1"/>
+              <ma14:wrappingTextBoxFlag xmlns="" xmlns:m="http://schemas.openxmlformats.org/officeDocument/2006/math" xmlns:a14="http://schemas.microsoft.com/office/drawing/2010/main" xmlns:ma14="http://schemas.microsoft.com/office/mac/drawingml/2011/main" val="1"/>
             </a:ext>
           </a:extLst>
         </p:spPr>
@@ -4164,7 +4164,7 @@
           </a:ln>
           <a:extLst>
             <a:ext uri="{C572A759-6A51-4108-AA02-DFA0A04FC94B}">
-              <ma14:wrappingTextBoxFlag xmlns:ma14="http://schemas.microsoft.com/office/mac/drawingml/2011/main" xmlns:a14="http://schemas.microsoft.com/office/drawing/2010/main" xmlns:m="http://schemas.openxmlformats.org/officeDocument/2006/math" xmlns="" val="1"/>
+              <ma14:wrappingTextBoxFlag xmlns="" xmlns:m="http://schemas.openxmlformats.org/officeDocument/2006/math" xmlns:a14="http://schemas.microsoft.com/office/drawing/2010/main" xmlns:ma14="http://schemas.microsoft.com/office/mac/drawingml/2011/main" val="1"/>
             </a:ext>
           </a:extLst>
         </p:spPr>
@@ -4188,10 +4188,18 @@
               </a:defRPr>
             </a:pPr>
             <a:r>
-              <a:rPr lang="pl-PL" sz="2800" dirty="0" err="1"/>
+              <a:rPr lang="pl-PL" sz="2800" dirty="0" err="1">
+                <a:solidFill>
+                  <a:schemeClr val="bg1"/>
+                </a:solidFill>
+              </a:rPr>
               <a:t>Intro</a:t>
             </a:r>
-            <a:endParaRPr dirty="0"/>
+            <a:endParaRPr dirty="0">
+              <a:solidFill>
+                <a:schemeClr val="bg1"/>
+              </a:solidFill>
+            </a:endParaRPr>
           </a:p>
         </p:txBody>
       </p:sp>
@@ -4214,7 +4222,7 @@
           </a:ln>
           <a:extLst>
             <a:ext uri="{C572A759-6A51-4108-AA02-DFA0A04FC94B}">
-              <ma14:wrappingTextBoxFlag xmlns:ma14="http://schemas.microsoft.com/office/mac/drawingml/2011/main" xmlns:a14="http://schemas.microsoft.com/office/drawing/2010/main" xmlns:m="http://schemas.openxmlformats.org/officeDocument/2006/math" xmlns="" val="1"/>
+              <ma14:wrappingTextBoxFlag xmlns="" xmlns:m="http://schemas.openxmlformats.org/officeDocument/2006/math" xmlns:a14="http://schemas.microsoft.com/office/drawing/2010/main" xmlns:ma14="http://schemas.microsoft.com/office/mac/drawingml/2011/main" val="1"/>
             </a:ext>
           </a:extLst>
         </p:spPr>
@@ -4238,119 +4246,235 @@
               </a:defRPr>
             </a:pPr>
             <a:r>
-              <a:rPr lang="en-US" sz="1400" dirty="0"/>
+              <a:rPr lang="en-US" sz="1400" dirty="0">
+                <a:solidFill>
+                  <a:schemeClr val="bg1"/>
+                </a:solidFill>
+              </a:rPr>
               <a:t>Package</a:t>
             </a:r>
             <a:r>
-              <a:rPr lang="en-US" sz="1400" b="1" dirty="0"/>
+              <a:rPr lang="en-US" sz="1400" b="1" dirty="0">
+                <a:solidFill>
+                  <a:schemeClr val="bg1"/>
+                </a:solidFill>
+              </a:rPr>
               <a:t> </a:t>
             </a:r>
             <a:r>
-              <a:rPr lang="en-US" sz="1400" b="1" dirty="0" err="1"/>
+              <a:rPr lang="en-US" sz="1400" b="1" dirty="0" err="1">
+                <a:solidFill>
+                  <a:schemeClr val="bg1"/>
+                </a:solidFill>
+              </a:rPr>
               <a:t>deepdep</a:t>
             </a:r>
             <a:r>
-              <a:rPr lang="en-US" sz="1400" b="1" dirty="0"/>
+              <a:rPr lang="en-US" sz="1400" b="1" dirty="0">
+                <a:solidFill>
+                  <a:schemeClr val="bg1"/>
+                </a:solidFill>
+              </a:rPr>
               <a:t> </a:t>
             </a:r>
             <a:r>
-              <a:rPr lang="en-US" sz="1400" dirty="0"/>
+              <a:rPr lang="en-US" sz="1400" dirty="0">
+                <a:solidFill>
+                  <a:schemeClr val="bg1"/>
+                </a:solidFill>
+              </a:rPr>
               <a:t>is a tool</a:t>
             </a:r>
             <a:r>
-              <a:rPr lang="pl-PL" sz="1400" dirty="0"/>
+              <a:rPr lang="pl-PL" sz="1400" dirty="0">
+                <a:solidFill>
+                  <a:schemeClr val="bg1"/>
+                </a:solidFill>
+              </a:rPr>
               <a:t> for </a:t>
             </a:r>
             <a:r>
-              <a:rPr lang="pl-PL" sz="1400" dirty="0" err="1"/>
+              <a:rPr lang="pl-PL" sz="1400" dirty="0" err="1">
+                <a:solidFill>
+                  <a:schemeClr val="bg1"/>
+                </a:solidFill>
+              </a:rPr>
               <a:t>exploration</a:t>
             </a:r>
             <a:r>
-              <a:rPr lang="pl-PL" sz="1400" dirty="0"/>
+              <a:rPr lang="pl-PL" sz="1400" dirty="0">
+                <a:solidFill>
+                  <a:schemeClr val="bg1"/>
+                </a:solidFill>
+              </a:rPr>
               <a:t> of </a:t>
             </a:r>
             <a:r>
-              <a:rPr lang="pl-PL" sz="1400" dirty="0" err="1"/>
+              <a:rPr lang="pl-PL" sz="1400" dirty="0" err="1">
+                <a:solidFill>
+                  <a:schemeClr val="bg1"/>
+                </a:solidFill>
+              </a:rPr>
               <a:t>package</a:t>
             </a:r>
             <a:r>
-              <a:rPr lang="pl-PL" sz="1400" dirty="0"/>
+              <a:rPr lang="pl-PL" sz="1400" dirty="0">
+                <a:solidFill>
+                  <a:schemeClr val="bg1"/>
+                </a:solidFill>
+              </a:rPr>
               <a:t> </a:t>
             </a:r>
             <a:r>
-              <a:rPr lang="pl-PL" sz="1400" dirty="0" err="1"/>
+              <a:rPr lang="pl-PL" sz="1400" dirty="0" err="1">
+                <a:solidFill>
+                  <a:schemeClr val="bg1"/>
+                </a:solidFill>
+              </a:rPr>
               <a:t>dependencies</a:t>
             </a:r>
             <a:r>
-              <a:rPr lang="en-US" sz="1400" dirty="0"/>
+              <a:rPr lang="en-US" sz="1400" dirty="0">
+                <a:solidFill>
+                  <a:schemeClr val="bg1"/>
+                </a:solidFill>
+              </a:rPr>
               <a:t>. It helps to </a:t>
             </a:r>
             <a:r>
-              <a:rPr lang="pl-PL" sz="1400" dirty="0" err="1"/>
+              <a:rPr lang="pl-PL" sz="1400" dirty="0" err="1">
+                <a:solidFill>
+                  <a:schemeClr val="bg1"/>
+                </a:solidFill>
+              </a:rPr>
               <a:t>acquire</a:t>
             </a:r>
             <a:r>
-              <a:rPr lang="pl-PL" sz="1400" dirty="0"/>
+              <a:rPr lang="pl-PL" sz="1400" dirty="0">
+                <a:solidFill>
+                  <a:schemeClr val="bg1"/>
+                </a:solidFill>
+              </a:rPr>
               <a:t> and </a:t>
             </a:r>
             <a:r>
-              <a:rPr lang="pl-PL" sz="1400" dirty="0" err="1"/>
+              <a:rPr lang="pl-PL" sz="1400" dirty="0" err="1">
+                <a:solidFill>
+                  <a:schemeClr val="bg1"/>
+                </a:solidFill>
+              </a:rPr>
               <a:t>visualise</a:t>
             </a:r>
             <a:r>
-              <a:rPr lang="pl-PL" sz="1400" dirty="0"/>
+              <a:rPr lang="pl-PL" sz="1400" dirty="0">
+                <a:solidFill>
+                  <a:schemeClr val="bg1"/>
+                </a:solidFill>
+              </a:rPr>
               <a:t> </a:t>
             </a:r>
             <a:r>
-              <a:rPr lang="en-US" sz="1400" dirty="0"/>
+              <a:rPr lang="en-US" sz="1400" dirty="0">
+                <a:solidFill>
+                  <a:schemeClr val="bg1"/>
+                </a:solidFill>
+              </a:rPr>
               <a:t>deeper dependencies of</a:t>
             </a:r>
             <a:r>
-              <a:rPr lang="pl-PL" sz="1400" dirty="0"/>
+              <a:rPr lang="pl-PL" sz="1400" dirty="0">
+                <a:solidFill>
+                  <a:schemeClr val="bg1"/>
+                </a:solidFill>
+              </a:rPr>
               <a:t> a</a:t>
             </a:r>
             <a:r>
-              <a:rPr lang="en-US" sz="1400" dirty="0"/>
+              <a:rPr lang="en-US" sz="1400" dirty="0">
+                <a:solidFill>
+                  <a:schemeClr val="bg1"/>
+                </a:solidFill>
+              </a:rPr>
               <a:t> given </a:t>
             </a:r>
             <a:r>
-              <a:rPr lang="en-US" sz="1400" dirty="0" err="1"/>
+              <a:rPr lang="en-US" sz="1400" dirty="0" err="1">
+                <a:solidFill>
+                  <a:schemeClr val="bg1"/>
+                </a:solidFill>
+              </a:rPr>
               <a:t>packag</a:t>
             </a:r>
             <a:r>
-              <a:rPr lang="pl-PL" sz="1400" dirty="0"/>
+              <a:rPr lang="pl-PL" sz="1400" dirty="0">
+                <a:solidFill>
+                  <a:schemeClr val="bg1"/>
+                </a:solidFill>
+              </a:rPr>
               <a:t>e. It </a:t>
             </a:r>
             <a:r>
-              <a:rPr lang="pl-PL" sz="1400" dirty="0" err="1"/>
+              <a:rPr lang="pl-PL" sz="1400" dirty="0" err="1">
+                <a:solidFill>
+                  <a:schemeClr val="bg1"/>
+                </a:solidFill>
+              </a:rPr>
               <a:t>also</a:t>
             </a:r>
             <a:r>
-              <a:rPr lang="en-US" sz="1400" dirty="0"/>
+              <a:rPr lang="en-US" sz="1400" dirty="0">
+                <a:solidFill>
+                  <a:schemeClr val="bg1"/>
+                </a:solidFill>
+              </a:rPr>
               <a:t> adds some popularity measures for </a:t>
             </a:r>
             <a:r>
-              <a:rPr lang="pl-PL" sz="1400" dirty="0"/>
+              <a:rPr lang="pl-PL" sz="1400" dirty="0">
+                <a:solidFill>
+                  <a:schemeClr val="bg1"/>
+                </a:solidFill>
+              </a:rPr>
               <a:t>the </a:t>
             </a:r>
             <a:r>
-              <a:rPr lang="pl-PL" sz="1400" dirty="0" err="1"/>
+              <a:rPr lang="pl-PL" sz="1400" dirty="0" err="1">
+                <a:solidFill>
+                  <a:schemeClr val="bg1"/>
+                </a:solidFill>
+              </a:rPr>
               <a:t>packages</a:t>
             </a:r>
             <a:r>
-              <a:rPr lang="en-US" sz="1400" dirty="0"/>
+              <a:rPr lang="en-US" sz="1400" dirty="0">
+                <a:solidFill>
+                  <a:schemeClr val="bg1"/>
+                </a:solidFill>
+              </a:rPr>
               <a:t> </a:t>
             </a:r>
             <a:r>
-              <a:rPr lang="pl-PL" sz="1400" dirty="0" err="1"/>
+              <a:rPr lang="pl-PL" sz="1400" dirty="0" err="1">
+                <a:solidFill>
+                  <a:schemeClr val="bg1"/>
+                </a:solidFill>
+              </a:rPr>
               <a:t>e.g</a:t>
             </a:r>
             <a:r>
-              <a:rPr lang="pl-PL" sz="1400" dirty="0"/>
+              <a:rPr lang="pl-PL" sz="1400" dirty="0">
+                <a:solidFill>
+                  <a:schemeClr val="bg1"/>
+                </a:solidFill>
+              </a:rPr>
               <a:t>. </a:t>
             </a:r>
             <a:r>
-              <a:rPr lang="en-US" sz="1400" dirty="0"/>
+              <a:rPr lang="en-US" sz="1400" dirty="0">
+                <a:solidFill>
+                  <a:schemeClr val="bg1"/>
+                </a:solidFill>
+              </a:rPr>
               <a:t>in the form of download count.</a:t>
             </a:r>
           </a:p>
@@ -4375,7 +4499,7 @@
           </a:ln>
           <a:extLst>
             <a:ext uri="{C572A759-6A51-4108-AA02-DFA0A04FC94B}">
-              <ma14:wrappingTextBoxFlag xmlns:ma14="http://schemas.microsoft.com/office/mac/drawingml/2011/main" xmlns:a14="http://schemas.microsoft.com/office/drawing/2010/main" xmlns:m="http://schemas.openxmlformats.org/officeDocument/2006/math" xmlns="" val="1"/>
+              <ma14:wrappingTextBoxFlag xmlns="" xmlns:m="http://schemas.openxmlformats.org/officeDocument/2006/math" xmlns:a14="http://schemas.microsoft.com/office/drawing/2010/main" xmlns:ma14="http://schemas.microsoft.com/office/mac/drawingml/2011/main" val="1"/>
             </a:ext>
           </a:extLst>
         </p:spPr>
@@ -4453,7 +4577,7 @@
           </a:ln>
           <a:extLst>
             <a:ext uri="{C572A759-6A51-4108-AA02-DFA0A04FC94B}">
-              <ma14:wrappingTextBoxFlag xmlns:ma14="http://schemas.microsoft.com/office/mac/drawingml/2011/main" xmlns:a14="http://schemas.microsoft.com/office/drawing/2010/main" xmlns:m="http://schemas.openxmlformats.org/officeDocument/2006/math" xmlns="" val="1"/>
+              <ma14:wrappingTextBoxFlag xmlns="" xmlns:m="http://schemas.openxmlformats.org/officeDocument/2006/math" xmlns:a14="http://schemas.microsoft.com/office/drawing/2010/main" xmlns:ma14="http://schemas.microsoft.com/office/mac/drawingml/2011/main" val="1"/>
             </a:ext>
           </a:extLst>
         </p:spPr>
@@ -4672,7 +4796,7 @@
           </a:ln>
           <a:extLst>
             <a:ext uri="{C572A759-6A51-4108-AA02-DFA0A04FC94B}">
-              <ma14:wrappingTextBoxFlag xmlns:ma14="http://schemas.microsoft.com/office/mac/drawingml/2011/main" xmlns:a14="http://schemas.microsoft.com/office/drawing/2010/main" xmlns:m="http://schemas.openxmlformats.org/officeDocument/2006/math" xmlns="" val="1"/>
+              <ma14:wrappingTextBoxFlag xmlns="" xmlns:m="http://schemas.openxmlformats.org/officeDocument/2006/math" xmlns:a14="http://schemas.microsoft.com/office/drawing/2010/main" xmlns:ma14="http://schemas.microsoft.com/office/mac/drawingml/2011/main" val="1"/>
             </a:ext>
           </a:extLst>
         </p:spPr>
@@ -4716,7 +4840,7 @@
           </a:ln>
           <a:extLst>
             <a:ext uri="{C572A759-6A51-4108-AA02-DFA0A04FC94B}">
-              <ma14:wrappingTextBoxFlag xmlns:ma14="http://schemas.microsoft.com/office/mac/drawingml/2011/main" xmlns:a14="http://schemas.microsoft.com/office/drawing/2010/main" xmlns:m="http://schemas.openxmlformats.org/officeDocument/2006/math" xmlns="" val="1"/>
+              <ma14:wrappingTextBoxFlag xmlns="" xmlns:m="http://schemas.openxmlformats.org/officeDocument/2006/math" xmlns:a14="http://schemas.microsoft.com/office/drawing/2010/main" xmlns:ma14="http://schemas.microsoft.com/office/mac/drawingml/2011/main" val="1"/>
             </a:ext>
           </a:extLst>
         </p:spPr>
@@ -4771,7 +4895,7 @@
           </a:ln>
           <a:extLst>
             <a:ext uri="{C572A759-6A51-4108-AA02-DFA0A04FC94B}">
-              <ma14:wrappingTextBoxFlag xmlns:ma14="http://schemas.microsoft.com/office/mac/drawingml/2011/main" xmlns:a14="http://schemas.microsoft.com/office/drawing/2010/main" xmlns:m="http://schemas.openxmlformats.org/officeDocument/2006/math" xmlns="" val="1"/>
+              <ma14:wrappingTextBoxFlag xmlns="" xmlns:m="http://schemas.openxmlformats.org/officeDocument/2006/math" xmlns:a14="http://schemas.microsoft.com/office/drawing/2010/main" xmlns:ma14="http://schemas.microsoft.com/office/mac/drawingml/2011/main" val="1"/>
             </a:ext>
           </a:extLst>
         </p:spPr>
@@ -4882,7 +5006,7 @@
           <a:effectLst/>
           <a:extLst>
             <a:ext uri="{C572A759-6A51-4108-AA02-DFA0A04FC94B}">
-              <ma14:wrappingTextBoxFlag xmlns:ma14="http://schemas.microsoft.com/office/mac/drawingml/2011/main" xmlns:a14="http://schemas.microsoft.com/office/drawing/2010/main" xmlns:m="http://schemas.openxmlformats.org/officeDocument/2006/math" xmlns="" val="1"/>
+              <ma14:wrappingTextBoxFlag xmlns="" xmlns:m="http://schemas.openxmlformats.org/officeDocument/2006/math" xmlns:a14="http://schemas.microsoft.com/office/drawing/2010/main" xmlns:ma14="http://schemas.microsoft.com/office/mac/drawingml/2011/main" val="1"/>
             </a:ext>
           </a:extLst>
         </p:spPr>
@@ -5428,7 +5552,7 @@
           <a:effectLst/>
           <a:extLst>
             <a:ext uri="{C572A759-6A51-4108-AA02-DFA0A04FC94B}">
-              <ma14:wrappingTextBoxFlag xmlns:ma14="http://schemas.microsoft.com/office/mac/drawingml/2011/main" xmlns:a14="http://schemas.microsoft.com/office/drawing/2010/main" xmlns:m="http://schemas.openxmlformats.org/officeDocument/2006/math" xmlns="" val="1"/>
+              <ma14:wrappingTextBoxFlag xmlns="" xmlns:m="http://schemas.openxmlformats.org/officeDocument/2006/math" xmlns:a14="http://schemas.microsoft.com/office/drawing/2010/main" xmlns:ma14="http://schemas.microsoft.com/office/mac/drawingml/2011/main" val="1"/>
             </a:ext>
           </a:extLst>
         </p:spPr>
@@ -6608,7 +6732,7 @@
           <a:effectLst/>
           <a:extLst>
             <a:ext uri="{C572A759-6A51-4108-AA02-DFA0A04FC94B}">
-              <ma14:wrappingTextBoxFlag xmlns:ma14="http://schemas.microsoft.com/office/mac/drawingml/2011/main" xmlns:a14="http://schemas.microsoft.com/office/drawing/2010/main" xmlns:m="http://schemas.openxmlformats.org/officeDocument/2006/math" xmlns="" val="1"/>
+              <ma14:wrappingTextBoxFlag xmlns="" xmlns:m="http://schemas.openxmlformats.org/officeDocument/2006/math" xmlns:a14="http://schemas.microsoft.com/office/drawing/2010/main" xmlns:ma14="http://schemas.microsoft.com/office/mac/drawingml/2011/main" val="1"/>
             </a:ext>
           </a:extLst>
         </p:spPr>
@@ -6702,7 +6826,7 @@
           <a:effectLst/>
           <a:extLst>
             <a:ext uri="{C572A759-6A51-4108-AA02-DFA0A04FC94B}">
-              <ma14:wrappingTextBoxFlag xmlns:ma14="http://schemas.microsoft.com/office/mac/drawingml/2011/main" xmlns:a14="http://schemas.microsoft.com/office/drawing/2010/main" xmlns:m="http://schemas.openxmlformats.org/officeDocument/2006/math" xmlns="" val="1"/>
+              <ma14:wrappingTextBoxFlag xmlns="" xmlns:m="http://schemas.openxmlformats.org/officeDocument/2006/math" xmlns:a14="http://schemas.microsoft.com/office/drawing/2010/main" xmlns:ma14="http://schemas.microsoft.com/office/mac/drawingml/2011/main" val="1"/>
             </a:ext>
           </a:extLst>
         </p:spPr>
@@ -6756,7 +6880,7 @@
           <a:effectLst/>
           <a:extLst>
             <a:ext uri="{C572A759-6A51-4108-AA02-DFA0A04FC94B}">
-              <ma14:wrappingTextBoxFlag xmlns:ma14="http://schemas.microsoft.com/office/mac/drawingml/2011/main" xmlns:a14="http://schemas.microsoft.com/office/drawing/2010/main" xmlns:m="http://schemas.openxmlformats.org/officeDocument/2006/math" xmlns="" val="1"/>
+              <ma14:wrappingTextBoxFlag xmlns="" xmlns:m="http://schemas.openxmlformats.org/officeDocument/2006/math" xmlns:a14="http://schemas.microsoft.com/office/drawing/2010/main" xmlns:ma14="http://schemas.microsoft.com/office/mac/drawingml/2011/main" val="1"/>
             </a:ext>
           </a:extLst>
         </p:spPr>
@@ -6847,7 +6971,7 @@
           </a:ln>
           <a:extLst>
             <a:ext uri="{C572A759-6A51-4108-AA02-DFA0A04FC94B}">
-              <ma14:wrappingTextBoxFlag xmlns:ma14="http://schemas.microsoft.com/office/mac/drawingml/2011/main" xmlns:a14="http://schemas.microsoft.com/office/drawing/2010/main" xmlns:m="http://schemas.openxmlformats.org/officeDocument/2006/math" xmlns="" val="1"/>
+              <ma14:wrappingTextBoxFlag xmlns="" xmlns:m="http://schemas.openxmlformats.org/officeDocument/2006/math" xmlns:a14="http://schemas.microsoft.com/office/drawing/2010/main" xmlns:ma14="http://schemas.microsoft.com/office/mac/drawingml/2011/main" val="1"/>
             </a:ext>
           </a:extLst>
         </p:spPr>
@@ -6922,7 +7046,7 @@
           </a:ln>
           <a:extLst>
             <a:ext uri="{C572A759-6A51-4108-AA02-DFA0A04FC94B}">
-              <ma14:wrappingTextBoxFlag xmlns:ma14="http://schemas.microsoft.com/office/mac/drawingml/2011/main" xmlns:a14="http://schemas.microsoft.com/office/drawing/2010/main" xmlns:m="http://schemas.openxmlformats.org/officeDocument/2006/math" xmlns="" val="1"/>
+              <ma14:wrappingTextBoxFlag xmlns="" xmlns:m="http://schemas.openxmlformats.org/officeDocument/2006/math" xmlns:a14="http://schemas.microsoft.com/office/drawing/2010/main" xmlns:ma14="http://schemas.microsoft.com/office/mac/drawingml/2011/main" val="1"/>
             </a:ext>
           </a:extLst>
         </p:spPr>
@@ -7010,7 +7134,7 @@
           <a:effectLst/>
           <a:extLst>
             <a:ext uri="{C572A759-6A51-4108-AA02-DFA0A04FC94B}">
-              <ma14:wrappingTextBoxFlag xmlns:ma14="http://schemas.microsoft.com/office/mac/drawingml/2011/main" xmlns:a14="http://schemas.microsoft.com/office/drawing/2010/main" xmlns:m="http://schemas.openxmlformats.org/officeDocument/2006/math" xmlns="" val="1"/>
+              <ma14:wrappingTextBoxFlag xmlns="" xmlns:m="http://schemas.openxmlformats.org/officeDocument/2006/math" xmlns:a14="http://schemas.microsoft.com/office/drawing/2010/main" xmlns:ma14="http://schemas.microsoft.com/office/mac/drawingml/2011/main" val="1"/>
             </a:ext>
           </a:extLst>
         </p:spPr>
@@ -8111,7 +8235,7 @@
           </a:ln>
           <a:extLst>
             <a:ext uri="{C572A759-6A51-4108-AA02-DFA0A04FC94B}">
-              <ma14:wrappingTextBoxFlag xmlns:ma14="http://schemas.microsoft.com/office/mac/drawingml/2011/main" xmlns:a14="http://schemas.microsoft.com/office/drawing/2010/main" xmlns:m="http://schemas.openxmlformats.org/officeDocument/2006/math" xmlns="" val="1"/>
+              <ma14:wrappingTextBoxFlag xmlns="" xmlns:m="http://schemas.openxmlformats.org/officeDocument/2006/math" xmlns:a14="http://schemas.microsoft.com/office/drawing/2010/main" xmlns:ma14="http://schemas.microsoft.com/office/mac/drawingml/2011/main" val="1"/>
             </a:ext>
           </a:extLst>
         </p:spPr>
@@ -8200,7 +8324,7 @@
           </a:ln>
           <a:extLst>
             <a:ext uri="{C572A759-6A51-4108-AA02-DFA0A04FC94B}">
-              <ma14:wrappingTextBoxFlag xmlns:ma14="http://schemas.microsoft.com/office/mac/drawingml/2011/main" xmlns:a14="http://schemas.microsoft.com/office/drawing/2010/main" xmlns:m="http://schemas.openxmlformats.org/officeDocument/2006/math" xmlns="" val="1"/>
+              <ma14:wrappingTextBoxFlag xmlns="" xmlns:m="http://schemas.openxmlformats.org/officeDocument/2006/math" xmlns:a14="http://schemas.microsoft.com/office/drawing/2010/main" xmlns:ma14="http://schemas.microsoft.com/office/mac/drawingml/2011/main" val="1"/>
             </a:ext>
           </a:extLst>
         </p:spPr>
@@ -8250,7 +8374,7 @@
           </a:ln>
           <a:extLst>
             <a:ext uri="{C572A759-6A51-4108-AA02-DFA0A04FC94B}">
-              <ma14:wrappingTextBoxFlag xmlns:ma14="http://schemas.microsoft.com/office/mac/drawingml/2011/main" xmlns:a14="http://schemas.microsoft.com/office/drawing/2010/main" xmlns:m="http://schemas.openxmlformats.org/officeDocument/2006/math" xmlns="" val="1"/>
+              <ma14:wrappingTextBoxFlag xmlns="" xmlns:m="http://schemas.openxmlformats.org/officeDocument/2006/math" xmlns:a14="http://schemas.microsoft.com/office/drawing/2010/main" xmlns:ma14="http://schemas.microsoft.com/office/mac/drawingml/2011/main" val="1"/>
             </a:ext>
           </a:extLst>
         </p:spPr>
@@ -8401,10 +8525,18 @@
               </a:defRPr>
             </a:pPr>
             <a:r>
-              <a:rPr lang="pl-PL" sz="2800" dirty="0"/>
+              <a:rPr lang="pl-PL" sz="2800" dirty="0">
+                <a:solidFill>
+                  <a:schemeClr val="bg1"/>
+                </a:solidFill>
+              </a:rPr>
               <a:t>Data</a:t>
             </a:r>
-            <a:endParaRPr lang="pl-PL" dirty="0"/>
+            <a:endParaRPr lang="pl-PL" dirty="0">
+              <a:solidFill>
+                <a:schemeClr val="bg1"/>
+              </a:solidFill>
+            </a:endParaRPr>
           </a:p>
         </p:txBody>
       </p:sp>
